--- a/hackthissite-realistic 10.pptx
+++ b/hackthissite-realistic 10.pptx
@@ -18,8 +18,10 @@
     <p:sldId id="267" r:id="rId12"/>
     <p:sldId id="268" r:id="rId13"/>
     <p:sldId id="269" r:id="rId14"/>
-    <p:sldId id="270" r:id="rId15"/>
-    <p:sldId id="260" r:id="rId16"/>
+    <p:sldId id="271" r:id="rId15"/>
+    <p:sldId id="272" r:id="rId16"/>
+    <p:sldId id="270" r:id="rId17"/>
+    <p:sldId id="260" r:id="rId18"/>
   </p:sldIdLst>
   <p:sldSz cx="12192000" cy="6858000"/>
   <p:notesSz cx="6858000" cy="9144000"/>
@@ -273,7 +275,7 @@
           <a:p>
             <a:fld id="{95B3C6B8-E54B-494C-BF6C-C972BB987621}" type="datetimeFigureOut">
               <a:rPr lang="zh-TW" altLang="en-US" smtClean="0"/>
-              <a:t>2019/11/30</a:t>
+              <a:t>2019/12/8</a:t>
             </a:fld>
             <a:endParaRPr lang="zh-TW" altLang="en-US"/>
           </a:p>
@@ -471,7 +473,7 @@
           <a:p>
             <a:fld id="{95B3C6B8-E54B-494C-BF6C-C972BB987621}" type="datetimeFigureOut">
               <a:rPr lang="zh-TW" altLang="en-US" smtClean="0"/>
-              <a:t>2019/11/30</a:t>
+              <a:t>2019/12/8</a:t>
             </a:fld>
             <a:endParaRPr lang="zh-TW" altLang="en-US"/>
           </a:p>
@@ -679,7 +681,7 @@
           <a:p>
             <a:fld id="{95B3C6B8-E54B-494C-BF6C-C972BB987621}" type="datetimeFigureOut">
               <a:rPr lang="zh-TW" altLang="en-US" smtClean="0"/>
-              <a:t>2019/11/30</a:t>
+              <a:t>2019/12/8</a:t>
             </a:fld>
             <a:endParaRPr lang="zh-TW" altLang="en-US"/>
           </a:p>
@@ -877,7 +879,7 @@
           <a:p>
             <a:fld id="{95B3C6B8-E54B-494C-BF6C-C972BB987621}" type="datetimeFigureOut">
               <a:rPr lang="zh-TW" altLang="en-US" smtClean="0"/>
-              <a:t>2019/11/30</a:t>
+              <a:t>2019/12/8</a:t>
             </a:fld>
             <a:endParaRPr lang="zh-TW" altLang="en-US"/>
           </a:p>
@@ -1152,7 +1154,7 @@
           <a:p>
             <a:fld id="{95B3C6B8-E54B-494C-BF6C-C972BB987621}" type="datetimeFigureOut">
               <a:rPr lang="zh-TW" altLang="en-US" smtClean="0"/>
-              <a:t>2019/11/30</a:t>
+              <a:t>2019/12/8</a:t>
             </a:fld>
             <a:endParaRPr lang="zh-TW" altLang="en-US"/>
           </a:p>
@@ -1417,7 +1419,7 @@
           <a:p>
             <a:fld id="{95B3C6B8-E54B-494C-BF6C-C972BB987621}" type="datetimeFigureOut">
               <a:rPr lang="zh-TW" altLang="en-US" smtClean="0"/>
-              <a:t>2019/11/30</a:t>
+              <a:t>2019/12/8</a:t>
             </a:fld>
             <a:endParaRPr lang="zh-TW" altLang="en-US"/>
           </a:p>
@@ -1829,7 +1831,7 @@
           <a:p>
             <a:fld id="{95B3C6B8-E54B-494C-BF6C-C972BB987621}" type="datetimeFigureOut">
               <a:rPr lang="zh-TW" altLang="en-US" smtClean="0"/>
-              <a:t>2019/11/30</a:t>
+              <a:t>2019/12/8</a:t>
             </a:fld>
             <a:endParaRPr lang="zh-TW" altLang="en-US"/>
           </a:p>
@@ -1970,7 +1972,7 @@
           <a:p>
             <a:fld id="{95B3C6B8-E54B-494C-BF6C-C972BB987621}" type="datetimeFigureOut">
               <a:rPr lang="zh-TW" altLang="en-US" smtClean="0"/>
-              <a:t>2019/11/30</a:t>
+              <a:t>2019/12/8</a:t>
             </a:fld>
             <a:endParaRPr lang="zh-TW" altLang="en-US"/>
           </a:p>
@@ -2083,7 +2085,7 @@
           <a:p>
             <a:fld id="{95B3C6B8-E54B-494C-BF6C-C972BB987621}" type="datetimeFigureOut">
               <a:rPr lang="zh-TW" altLang="en-US" smtClean="0"/>
-              <a:t>2019/11/30</a:t>
+              <a:t>2019/12/8</a:t>
             </a:fld>
             <a:endParaRPr lang="zh-TW" altLang="en-US"/>
           </a:p>
@@ -2394,7 +2396,7 @@
           <a:p>
             <a:fld id="{95B3C6B8-E54B-494C-BF6C-C972BB987621}" type="datetimeFigureOut">
               <a:rPr lang="zh-TW" altLang="en-US" smtClean="0"/>
-              <a:t>2019/11/30</a:t>
+              <a:t>2019/12/8</a:t>
             </a:fld>
             <a:endParaRPr lang="zh-TW" altLang="en-US"/>
           </a:p>
@@ -2682,7 +2684,7 @@
           <a:p>
             <a:fld id="{95B3C6B8-E54B-494C-BF6C-C972BB987621}" type="datetimeFigureOut">
               <a:rPr lang="zh-TW" altLang="en-US" smtClean="0"/>
-              <a:t>2019/11/30</a:t>
+              <a:t>2019/12/8</a:t>
             </a:fld>
             <a:endParaRPr lang="zh-TW" altLang="en-US"/>
           </a:p>
@@ -2923,7 +2925,7 @@
           <a:p>
             <a:fld id="{95B3C6B8-E54B-494C-BF6C-C972BB987621}" type="datetimeFigureOut">
               <a:rPr lang="zh-TW" altLang="en-US" smtClean="0"/>
-              <a:t>2019/11/30</a:t>
+              <a:t>2019/12/8</a:t>
             </a:fld>
             <a:endParaRPr lang="zh-TW" altLang="en-US"/>
           </a:p>
@@ -3477,61 +3479,6 @@
           <a:chExt cx="0" cy="0"/>
         </a:xfrm>
       </p:grpSpPr>
-      <p:sp>
-        <p:nvSpPr>
-          <p:cNvPr id="2" name="標題 1">
-            <a:extLst>
-              <a:ext uri="{FF2B5EF4-FFF2-40B4-BE49-F238E27FC236}">
-                <a16:creationId xmlns:a16="http://schemas.microsoft.com/office/drawing/2014/main" id="{F8F89224-5C53-4943-BAD8-5FE957408C6A}"/>
-              </a:ext>
-            </a:extLst>
-          </p:cNvPr>
-          <p:cNvSpPr>
-            <a:spLocks noGrp="1"/>
-          </p:cNvSpPr>
-          <p:nvPr>
-            <p:ph type="title"/>
-          </p:nvPr>
-        </p:nvSpPr>
-        <p:spPr/>
-        <p:txBody>
-          <a:bodyPr/>
-          <a:lstStyle/>
-          <a:p>
-            <a:endParaRPr lang="zh-TW" altLang="en-US" dirty="0"/>
-          </a:p>
-        </p:txBody>
-      </p:sp>
-      <p:sp>
-        <p:nvSpPr>
-          <p:cNvPr id="3" name="內容版面配置區 2">
-            <a:extLst>
-              <a:ext uri="{FF2B5EF4-FFF2-40B4-BE49-F238E27FC236}">
-                <a16:creationId xmlns:a16="http://schemas.microsoft.com/office/drawing/2014/main" id="{9E2C7AB6-51DF-4729-B9B4-ABD6A522C13B}"/>
-              </a:ext>
-            </a:extLst>
-          </p:cNvPr>
-          <p:cNvSpPr>
-            <a:spLocks noGrp="1"/>
-          </p:cNvSpPr>
-          <p:nvPr>
-            <p:ph idx="1"/>
-          </p:nvPr>
-        </p:nvSpPr>
-        <p:spPr>
-          <a:xfrm>
-            <a:off x="838200" y="1779465"/>
-            <a:ext cx="10515600" cy="4351338"/>
-          </a:xfrm>
-        </p:spPr>
-        <p:txBody>
-          <a:bodyPr/>
-          <a:lstStyle/>
-          <a:p>
-            <a:endParaRPr lang="zh-TW" altLang="en-US" dirty="0"/>
-          </a:p>
-        </p:txBody>
-      </p:sp>
       <p:pic>
         <p:nvPicPr>
           <p:cNvPr id="4" name="圖片 3">
@@ -3726,31 +3673,6 @@
           <a:chExt cx="0" cy="0"/>
         </a:xfrm>
       </p:grpSpPr>
-      <p:sp>
-        <p:nvSpPr>
-          <p:cNvPr id="2" name="標題 1">
-            <a:extLst>
-              <a:ext uri="{FF2B5EF4-FFF2-40B4-BE49-F238E27FC236}">
-                <a16:creationId xmlns:a16="http://schemas.microsoft.com/office/drawing/2014/main" id="{68E8D60D-8DC9-42DA-A816-307904A836CC}"/>
-              </a:ext>
-            </a:extLst>
-          </p:cNvPr>
-          <p:cNvSpPr>
-            <a:spLocks noGrp="1"/>
-          </p:cNvSpPr>
-          <p:nvPr>
-            <p:ph type="title"/>
-          </p:nvPr>
-        </p:nvSpPr>
-        <p:spPr/>
-        <p:txBody>
-          <a:bodyPr/>
-          <a:lstStyle/>
-          <a:p>
-            <a:endParaRPr lang="zh-TW" altLang="en-US"/>
-          </a:p>
-        </p:txBody>
-      </p:sp>
       <p:pic>
         <p:nvPicPr>
           <p:cNvPr id="6" name="內容版面配置區 5">
@@ -3947,56 +3869,6 @@
           <a:chExt cx="0" cy="0"/>
         </a:xfrm>
       </p:grpSpPr>
-      <p:sp>
-        <p:nvSpPr>
-          <p:cNvPr id="2" name="標題 1">
-            <a:extLst>
-              <a:ext uri="{FF2B5EF4-FFF2-40B4-BE49-F238E27FC236}">
-                <a16:creationId xmlns:a16="http://schemas.microsoft.com/office/drawing/2014/main" id="{BBA091F9-E0BB-4CD2-A911-D83CDE58798D}"/>
-              </a:ext>
-            </a:extLst>
-          </p:cNvPr>
-          <p:cNvSpPr>
-            <a:spLocks noGrp="1"/>
-          </p:cNvSpPr>
-          <p:nvPr>
-            <p:ph type="title"/>
-          </p:nvPr>
-        </p:nvSpPr>
-        <p:spPr/>
-        <p:txBody>
-          <a:bodyPr/>
-          <a:lstStyle/>
-          <a:p>
-            <a:endParaRPr lang="zh-TW" altLang="en-US"/>
-          </a:p>
-        </p:txBody>
-      </p:sp>
-      <p:sp>
-        <p:nvSpPr>
-          <p:cNvPr id="3" name="內容版面配置區 2">
-            <a:extLst>
-              <a:ext uri="{FF2B5EF4-FFF2-40B4-BE49-F238E27FC236}">
-                <a16:creationId xmlns:a16="http://schemas.microsoft.com/office/drawing/2014/main" id="{4AA51547-7F64-470A-8DF1-20C005CE596A}"/>
-              </a:ext>
-            </a:extLst>
-          </p:cNvPr>
-          <p:cNvSpPr>
-            <a:spLocks noGrp="1"/>
-          </p:cNvSpPr>
-          <p:nvPr>
-            <p:ph idx="1"/>
-          </p:nvPr>
-        </p:nvSpPr>
-        <p:spPr/>
-        <p:txBody>
-          <a:bodyPr/>
-          <a:lstStyle/>
-          <a:p>
-            <a:endParaRPr lang="zh-TW" altLang="en-US" dirty="0"/>
-          </a:p>
-        </p:txBody>
-      </p:sp>
       <p:pic>
         <p:nvPicPr>
           <p:cNvPr id="4" name="圖片 3">
@@ -4634,6 +4506,102 @@
           </a:fontRef>
         </p:style>
       </p:cxnSp>
+      <p:sp>
+        <p:nvSpPr>
+          <p:cNvPr id="3" name="文字方塊 2">
+            <a:extLst>
+              <a:ext uri="{FF2B5EF4-FFF2-40B4-BE49-F238E27FC236}">
+                <a16:creationId xmlns:a16="http://schemas.microsoft.com/office/drawing/2014/main" id="{C770AF6C-3843-40E6-8ACA-3EF3AE75E932}"/>
+              </a:ext>
+            </a:extLst>
+          </p:cNvPr>
+          <p:cNvSpPr txBox="1"/>
+          <p:nvPr/>
+        </p:nvSpPr>
+        <p:spPr>
+          <a:xfrm>
+            <a:off x="9484558" y="625416"/>
+            <a:ext cx="1768765" cy="707886"/>
+          </a:xfrm>
+          <a:prstGeom prst="rect">
+            <a:avLst/>
+          </a:prstGeom>
+          <a:noFill/>
+          <a:ln w="38100">
+            <a:solidFill>
+              <a:srgbClr val="FF0000"/>
+            </a:solidFill>
+          </a:ln>
+        </p:spPr>
+        <p:txBody>
+          <a:bodyPr wrap="square" rtlCol="0">
+            <a:spAutoFit/>
+          </a:bodyPr>
+          <a:lstStyle/>
+          <a:p>
+            <a:r>
+              <a:rPr lang="zh-TW" altLang="en-US" sz="4000" dirty="0">
+                <a:solidFill>
+                  <a:srgbClr val="FF0000"/>
+                </a:solidFill>
+              </a:rPr>
+              <a:t>方法</a:t>
+            </a:r>
+            <a:r>
+              <a:rPr lang="en-US" altLang="zh-TW" sz="4000" dirty="0">
+                <a:solidFill>
+                  <a:srgbClr val="FF0000"/>
+                </a:solidFill>
+              </a:rPr>
+              <a:t>1</a:t>
+            </a:r>
+          </a:p>
+        </p:txBody>
+      </p:sp>
+      <p:sp>
+        <p:nvSpPr>
+          <p:cNvPr id="12" name="文字方塊 11">
+            <a:extLst>
+              <a:ext uri="{FF2B5EF4-FFF2-40B4-BE49-F238E27FC236}">
+                <a16:creationId xmlns:a16="http://schemas.microsoft.com/office/drawing/2014/main" id="{766BE8A6-1E83-4C7B-8654-BCE761B6B0B9}"/>
+              </a:ext>
+            </a:extLst>
+          </p:cNvPr>
+          <p:cNvSpPr txBox="1"/>
+          <p:nvPr/>
+        </p:nvSpPr>
+        <p:spPr>
+          <a:xfrm>
+            <a:off x="9628994" y="1352964"/>
+            <a:ext cx="1479892" cy="369332"/>
+          </a:xfrm>
+          <a:prstGeom prst="rect">
+            <a:avLst/>
+          </a:prstGeom>
+          <a:noFill/>
+        </p:spPr>
+        <p:txBody>
+          <a:bodyPr wrap="none" rtlCol="0">
+            <a:spAutoFit/>
+          </a:bodyPr>
+          <a:lstStyle/>
+          <a:p>
+            <a:r>
+              <a:rPr lang="en-US" altLang="zh-TW" dirty="0"/>
+              <a:t>(</a:t>
+            </a:r>
+            <a:r>
+              <a:rPr lang="zh-TW" altLang="en-US" dirty="0"/>
+              <a:t>網路上解法</a:t>
+            </a:r>
+            <a:r>
+              <a:rPr lang="en-US" altLang="zh-TW" dirty="0"/>
+              <a:t>)</a:t>
+            </a:r>
+            <a:endParaRPr lang="zh-TW" altLang="en-US" dirty="0"/>
+          </a:p>
+        </p:txBody>
+      </p:sp>
     </p:spTree>
     <p:extLst>
       <p:ext uri="{BB962C8B-B14F-4D97-AF65-F5344CB8AC3E}">
@@ -4669,7 +4637,7 @@
           <p:cNvPr id="2" name="標題 1">
             <a:extLst>
               <a:ext uri="{FF2B5EF4-FFF2-40B4-BE49-F238E27FC236}">
-                <a16:creationId xmlns:a16="http://schemas.microsoft.com/office/drawing/2014/main" id="{5E18D6D2-45D7-4F5D-AFB4-F5D8E2665D76}"/>
+                <a16:creationId xmlns:a16="http://schemas.microsoft.com/office/drawing/2014/main" id="{B8AB4071-2F69-44EA-BEFD-222AC4EC425D}"/>
               </a:ext>
             </a:extLst>
           </p:cNvPr>
@@ -4680,55 +4648,12 @@
             <p:ph type="title"/>
           </p:nvPr>
         </p:nvSpPr>
-        <p:spPr>
-          <a:xfrm>
-            <a:off x="671945" y="1041108"/>
-            <a:ext cx="10515600" cy="1325563"/>
-          </a:xfrm>
-        </p:spPr>
+        <p:spPr/>
         <p:txBody>
           <a:bodyPr/>
           <a:lstStyle/>
           <a:p>
-            <a:pPr algn="ctr"/>
-            <a:r>
-              <a:rPr lang="en-US" altLang="zh-TW" dirty="0"/>
-              <a:t>Completed Mission 10</a:t>
-            </a:r>
-            <a:br>
-              <a:rPr lang="zh-TW" altLang="en-US" dirty="0"/>
-            </a:br>
-            <a:endParaRPr lang="zh-TW" altLang="en-US" dirty="0"/>
-          </a:p>
-        </p:txBody>
-      </p:sp>
-      <p:sp>
-        <p:nvSpPr>
-          <p:cNvPr id="3" name="內容版面配置區 2">
-            <a:extLst>
-              <a:ext uri="{FF2B5EF4-FFF2-40B4-BE49-F238E27FC236}">
-                <a16:creationId xmlns:a16="http://schemas.microsoft.com/office/drawing/2014/main" id="{DE7D2BC0-8012-4176-B73E-41D9F0043B48}"/>
-              </a:ext>
-            </a:extLst>
-          </p:cNvPr>
-          <p:cNvSpPr>
-            <a:spLocks noGrp="1"/>
-          </p:cNvSpPr>
-          <p:nvPr>
-            <p:ph idx="1"/>
-          </p:nvPr>
-        </p:nvSpPr>
-        <p:spPr/>
-        <p:txBody>
-          <a:bodyPr>
-            <a:normAutofit/>
-          </a:bodyPr>
-          <a:lstStyle/>
-          <a:p>
-            <a:pPr marL="0" indent="0" algn="ctr">
-              <a:buNone/>
-            </a:pPr>
-            <a:endParaRPr lang="zh-TW" altLang="en-US" sz="4000" dirty="0"/>
+            <a:endParaRPr lang="zh-TW" altLang="en-US"/>
           </a:p>
         </p:txBody>
       </p:sp>
@@ -4737,7 +4662,7 @@
           <p:cNvPr id="4" name="圖片 3">
             <a:extLst>
               <a:ext uri="{FF2B5EF4-FFF2-40B4-BE49-F238E27FC236}">
-                <a16:creationId xmlns:a16="http://schemas.microsoft.com/office/drawing/2014/main" id="{8D5FCB83-3ADE-47D9-BEFF-EB5114B84D73}"/>
+                <a16:creationId xmlns:a16="http://schemas.microsoft.com/office/drawing/2014/main" id="{F5498F8F-C30B-4FD9-8555-37BF4375224D}"/>
               </a:ext>
             </a:extLst>
           </p:cNvPr>
@@ -4748,23 +4673,312 @@
         </p:nvPicPr>
         <p:blipFill rotWithShape="1">
           <a:blip r:embed="rId2"/>
-          <a:srcRect l="828" t="7854" r="1576" b="6276"/>
+          <a:srcRect l="4470" r="8561"/>
           <a:stretch/>
         </p:blipFill>
         <p:spPr>
           <a:xfrm>
-            <a:off x="2092036" y="2801076"/>
-            <a:ext cx="8007927" cy="1893454"/>
+            <a:off x="838200" y="248746"/>
+            <a:ext cx="10603346" cy="4115024"/>
           </a:xfrm>
           <a:prstGeom prst="rect">
             <a:avLst/>
           </a:prstGeom>
+          <a:ln>
+            <a:solidFill>
+              <a:schemeClr val="tx1"/>
+            </a:solidFill>
+          </a:ln>
         </p:spPr>
       </p:pic>
+      <p:sp>
+        <p:nvSpPr>
+          <p:cNvPr id="5" name="文字方塊 4">
+            <a:extLst>
+              <a:ext uri="{FF2B5EF4-FFF2-40B4-BE49-F238E27FC236}">
+                <a16:creationId xmlns:a16="http://schemas.microsoft.com/office/drawing/2014/main" id="{E6F9CCBF-3859-41EF-99D4-61A73FBCECDC}"/>
+              </a:ext>
+            </a:extLst>
+          </p:cNvPr>
+          <p:cNvSpPr txBox="1"/>
+          <p:nvPr/>
+        </p:nvSpPr>
+        <p:spPr>
+          <a:xfrm>
+            <a:off x="9484558" y="625416"/>
+            <a:ext cx="1768765" cy="707886"/>
+          </a:xfrm>
+          <a:prstGeom prst="rect">
+            <a:avLst/>
+          </a:prstGeom>
+          <a:noFill/>
+          <a:ln w="38100">
+            <a:solidFill>
+              <a:srgbClr val="FF0000"/>
+            </a:solidFill>
+          </a:ln>
+        </p:spPr>
+        <p:txBody>
+          <a:bodyPr wrap="square" rtlCol="0">
+            <a:spAutoFit/>
+          </a:bodyPr>
+          <a:lstStyle/>
+          <a:p>
+            <a:r>
+              <a:rPr lang="zh-TW" altLang="en-US" sz="4000" dirty="0">
+                <a:solidFill>
+                  <a:srgbClr val="FF0000"/>
+                </a:solidFill>
+              </a:rPr>
+              <a:t>方法</a:t>
+            </a:r>
+            <a:r>
+              <a:rPr lang="en-US" altLang="zh-TW" sz="4000" dirty="0">
+                <a:solidFill>
+                  <a:srgbClr val="FF0000"/>
+                </a:solidFill>
+              </a:rPr>
+              <a:t>2</a:t>
+            </a:r>
+          </a:p>
+        </p:txBody>
+      </p:sp>
+      <p:pic>
+        <p:nvPicPr>
+          <p:cNvPr id="8" name="內容版面配置區 5">
+            <a:extLst>
+              <a:ext uri="{FF2B5EF4-FFF2-40B4-BE49-F238E27FC236}">
+                <a16:creationId xmlns:a16="http://schemas.microsoft.com/office/drawing/2014/main" id="{F46E9A75-6825-43FD-9E22-F6F60ED19A08}"/>
+              </a:ext>
+            </a:extLst>
+          </p:cNvPr>
+          <p:cNvPicPr>
+            <a:picLocks noChangeAspect="1"/>
+          </p:cNvPicPr>
+          <p:nvPr/>
+        </p:nvPicPr>
+        <p:blipFill rotWithShape="1">
+          <a:blip r:embed="rId3"/>
+          <a:srcRect l="2446" t="70111" r="34273" b="7383"/>
+          <a:stretch/>
+        </p:blipFill>
+        <p:spPr>
+          <a:xfrm>
+            <a:off x="750454" y="5106154"/>
+            <a:ext cx="10515599" cy="932507"/>
+          </a:xfrm>
+          <a:prstGeom prst="rect">
+            <a:avLst/>
+          </a:prstGeom>
+          <a:ln>
+            <a:solidFill>
+              <a:schemeClr val="tx1"/>
+            </a:solidFill>
+          </a:ln>
+        </p:spPr>
+      </p:pic>
+      <p:sp>
+        <p:nvSpPr>
+          <p:cNvPr id="9" name="橢圓 8">
+            <a:extLst>
+              <a:ext uri="{FF2B5EF4-FFF2-40B4-BE49-F238E27FC236}">
+                <a16:creationId xmlns:a16="http://schemas.microsoft.com/office/drawing/2014/main" id="{0399F9FE-49EC-4028-9C4B-1F458690042C}"/>
+              </a:ext>
+            </a:extLst>
+          </p:cNvPr>
+          <p:cNvSpPr/>
+          <p:nvPr/>
+        </p:nvSpPr>
+        <p:spPr>
+          <a:xfrm>
+            <a:off x="1399756" y="3331675"/>
+            <a:ext cx="5055789" cy="651850"/>
+          </a:xfrm>
+          <a:prstGeom prst="ellipse">
+            <a:avLst/>
+          </a:prstGeom>
+          <a:noFill/>
+          <a:ln w="38100">
+            <a:solidFill>
+              <a:srgbClr val="FF0000"/>
+            </a:solidFill>
+          </a:ln>
+        </p:spPr>
+        <p:style>
+          <a:lnRef idx="2">
+            <a:schemeClr val="accent1">
+              <a:shade val="50000"/>
+            </a:schemeClr>
+          </a:lnRef>
+          <a:fillRef idx="1">
+            <a:schemeClr val="accent1"/>
+          </a:fillRef>
+          <a:effectRef idx="0">
+            <a:schemeClr val="accent1"/>
+          </a:effectRef>
+          <a:fontRef idx="minor">
+            <a:schemeClr val="lt1"/>
+          </a:fontRef>
+        </p:style>
+        <p:txBody>
+          <a:bodyPr rtlCol="0" anchor="ctr"/>
+          <a:lstStyle/>
+          <a:p>
+            <a:pPr algn="ctr"/>
+            <a:endParaRPr lang="zh-TW" altLang="en-US">
+              <a:ln w="127000">
+                <a:solidFill>
+                  <a:schemeClr val="tx1"/>
+                </a:solidFill>
+              </a:ln>
+            </a:endParaRPr>
+          </a:p>
+        </p:txBody>
+      </p:sp>
+      <p:cxnSp>
+        <p:nvCxnSpPr>
+          <p:cNvPr id="11" name="直線單箭頭接點 10">
+            <a:extLst>
+              <a:ext uri="{FF2B5EF4-FFF2-40B4-BE49-F238E27FC236}">
+                <a16:creationId xmlns:a16="http://schemas.microsoft.com/office/drawing/2014/main" id="{1BF8D60F-30E6-448A-BDA4-6CAF2D731CDB}"/>
+              </a:ext>
+            </a:extLst>
+          </p:cNvPr>
+          <p:cNvCxnSpPr>
+            <a:cxnSpLocks/>
+          </p:cNvCxnSpPr>
+          <p:nvPr/>
+        </p:nvCxnSpPr>
+        <p:spPr>
+          <a:xfrm>
+            <a:off x="3983525" y="4118462"/>
+            <a:ext cx="172016" cy="987692"/>
+          </a:xfrm>
+          <a:prstGeom prst="straightConnector1">
+            <a:avLst/>
+          </a:prstGeom>
+          <a:ln w="25400">
+            <a:solidFill>
+              <a:srgbClr val="FF0000"/>
+            </a:solidFill>
+            <a:tailEnd type="triangle"/>
+          </a:ln>
+        </p:spPr>
+        <p:style>
+          <a:lnRef idx="1">
+            <a:schemeClr val="accent1"/>
+          </a:lnRef>
+          <a:fillRef idx="0">
+            <a:schemeClr val="accent1"/>
+          </a:fillRef>
+          <a:effectRef idx="0">
+            <a:schemeClr val="accent1"/>
+          </a:effectRef>
+          <a:fontRef idx="minor">
+            <a:schemeClr val="tx1"/>
+          </a:fontRef>
+        </p:style>
+      </p:cxnSp>
+      <p:sp>
+        <p:nvSpPr>
+          <p:cNvPr id="16" name="文字方塊 15">
+            <a:extLst>
+              <a:ext uri="{FF2B5EF4-FFF2-40B4-BE49-F238E27FC236}">
+                <a16:creationId xmlns:a16="http://schemas.microsoft.com/office/drawing/2014/main" id="{F67386F9-928D-4797-B0C2-F9A6D66B39AE}"/>
+              </a:ext>
+            </a:extLst>
+          </p:cNvPr>
+          <p:cNvSpPr txBox="1"/>
+          <p:nvPr/>
+        </p:nvSpPr>
+        <p:spPr>
+          <a:xfrm>
+            <a:off x="6672405" y="3429000"/>
+            <a:ext cx="2436180" cy="369332"/>
+          </a:xfrm>
+          <a:prstGeom prst="rect">
+            <a:avLst/>
+          </a:prstGeom>
+          <a:noFill/>
+        </p:spPr>
+        <p:txBody>
+          <a:bodyPr wrap="none" rtlCol="0">
+            <a:spAutoFit/>
+          </a:bodyPr>
+          <a:lstStyle/>
+          <a:p>
+            <a:r>
+              <a:rPr lang="zh-TW" altLang="en-US" dirty="0">
+                <a:solidFill>
+                  <a:srgbClr val="FF0000"/>
+                </a:solidFill>
+              </a:rPr>
+              <a:t>發現被注解掉的</a:t>
+            </a:r>
+            <a:r>
+              <a:rPr lang="en-US" altLang="zh-TW" dirty="0">
+                <a:solidFill>
+                  <a:srgbClr val="FF0000"/>
+                </a:solidFill>
+              </a:rPr>
+              <a:t>button</a:t>
+            </a:r>
+            <a:endParaRPr lang="zh-TW" altLang="en-US" dirty="0">
+              <a:solidFill>
+                <a:srgbClr val="FF0000"/>
+              </a:solidFill>
+            </a:endParaRPr>
+          </a:p>
+        </p:txBody>
+      </p:sp>
+      <p:sp>
+        <p:nvSpPr>
+          <p:cNvPr id="19" name="文字方塊 18">
+            <a:extLst>
+              <a:ext uri="{FF2B5EF4-FFF2-40B4-BE49-F238E27FC236}">
+                <a16:creationId xmlns:a16="http://schemas.microsoft.com/office/drawing/2014/main" id="{5ACC2A1B-BA64-48DA-937C-9BFDA2F704EB}"/>
+              </a:ext>
+            </a:extLst>
+          </p:cNvPr>
+          <p:cNvSpPr txBox="1"/>
+          <p:nvPr/>
+        </p:nvSpPr>
+        <p:spPr>
+          <a:xfrm>
+            <a:off x="9412243" y="1335162"/>
+            <a:ext cx="1941557" cy="369332"/>
+          </a:xfrm>
+          <a:prstGeom prst="rect">
+            <a:avLst/>
+          </a:prstGeom>
+          <a:noFill/>
+        </p:spPr>
+        <p:txBody>
+          <a:bodyPr wrap="none" rtlCol="0">
+            <a:spAutoFit/>
+          </a:bodyPr>
+          <a:lstStyle/>
+          <a:p>
+            <a:r>
+              <a:rPr lang="en-US" altLang="zh-TW" dirty="0"/>
+              <a:t>(</a:t>
+            </a:r>
+            <a:r>
+              <a:rPr lang="zh-TW" altLang="en-US" dirty="0"/>
+              <a:t>自行嘗試之方法</a:t>
+            </a:r>
+            <a:r>
+              <a:rPr lang="en-US" altLang="zh-TW" dirty="0"/>
+              <a:t>)</a:t>
+            </a:r>
+            <a:endParaRPr lang="zh-TW" altLang="en-US" dirty="0"/>
+          </a:p>
+        </p:txBody>
+      </p:sp>
     </p:spTree>
     <p:extLst>
       <p:ext uri="{BB962C8B-B14F-4D97-AF65-F5344CB8AC3E}">
-        <p14:creationId xmlns:p14="http://schemas.microsoft.com/office/powerpoint/2010/main" val="1047049031"/>
+        <p14:creationId xmlns:p14="http://schemas.microsoft.com/office/powerpoint/2010/main" val="765616468"/>
       </p:ext>
     </p:extLst>
   </p:cSld>
@@ -4791,6 +5005,617 @@
           <a:chExt cx="0" cy="0"/>
         </a:xfrm>
       </p:grpSpPr>
+      <p:pic>
+        <p:nvPicPr>
+          <p:cNvPr id="6" name="圖片 5">
+            <a:extLst>
+              <a:ext uri="{FF2B5EF4-FFF2-40B4-BE49-F238E27FC236}">
+                <a16:creationId xmlns:a16="http://schemas.microsoft.com/office/drawing/2014/main" id="{1A227401-AE83-4C6E-9895-DEF0DF31BF3E}"/>
+              </a:ext>
+            </a:extLst>
+          </p:cNvPr>
+          <p:cNvPicPr>
+            <a:picLocks noChangeAspect="1"/>
+          </p:cNvPicPr>
+          <p:nvPr/>
+        </p:nvPicPr>
+        <p:blipFill rotWithShape="1">
+          <a:blip r:embed="rId2"/>
+          <a:srcRect l="2768" t="9366" r="3396"/>
+          <a:stretch/>
+        </p:blipFill>
+        <p:spPr>
+          <a:xfrm>
+            <a:off x="2619468" y="543205"/>
+            <a:ext cx="6953063" cy="968720"/>
+          </a:xfrm>
+          <a:prstGeom prst="rect">
+            <a:avLst/>
+          </a:prstGeom>
+          <a:ln>
+            <a:solidFill>
+              <a:schemeClr val="tx1"/>
+            </a:solidFill>
+          </a:ln>
+        </p:spPr>
+      </p:pic>
+      <p:sp>
+        <p:nvSpPr>
+          <p:cNvPr id="7" name="橢圓 6">
+            <a:extLst>
+              <a:ext uri="{FF2B5EF4-FFF2-40B4-BE49-F238E27FC236}">
+                <a16:creationId xmlns:a16="http://schemas.microsoft.com/office/drawing/2014/main" id="{2E6436B5-D32D-4982-A23C-35205D647E0E}"/>
+              </a:ext>
+            </a:extLst>
+          </p:cNvPr>
+          <p:cNvSpPr/>
+          <p:nvPr/>
+        </p:nvSpPr>
+        <p:spPr>
+          <a:xfrm>
+            <a:off x="8383509" y="452672"/>
+            <a:ext cx="1032095" cy="434567"/>
+          </a:xfrm>
+          <a:prstGeom prst="ellipse">
+            <a:avLst/>
+          </a:prstGeom>
+          <a:noFill/>
+          <a:ln w="38100">
+            <a:solidFill>
+              <a:srgbClr val="FF0000"/>
+            </a:solidFill>
+          </a:ln>
+        </p:spPr>
+        <p:style>
+          <a:lnRef idx="2">
+            <a:schemeClr val="accent1">
+              <a:shade val="50000"/>
+            </a:schemeClr>
+          </a:lnRef>
+          <a:fillRef idx="1">
+            <a:schemeClr val="accent1"/>
+          </a:fillRef>
+          <a:effectRef idx="0">
+            <a:schemeClr val="accent1"/>
+          </a:effectRef>
+          <a:fontRef idx="minor">
+            <a:schemeClr val="lt1"/>
+          </a:fontRef>
+        </p:style>
+        <p:txBody>
+          <a:bodyPr rtlCol="0" anchor="ctr"/>
+          <a:lstStyle/>
+          <a:p>
+            <a:pPr algn="ctr"/>
+            <a:endParaRPr lang="zh-TW" altLang="en-US">
+              <a:ln w="127000">
+                <a:solidFill>
+                  <a:schemeClr val="tx1"/>
+                </a:solidFill>
+              </a:ln>
+            </a:endParaRPr>
+          </a:p>
+        </p:txBody>
+      </p:sp>
+      <p:pic>
+        <p:nvPicPr>
+          <p:cNvPr id="8" name="圖片 7">
+            <a:extLst>
+              <a:ext uri="{FF2B5EF4-FFF2-40B4-BE49-F238E27FC236}">
+                <a16:creationId xmlns:a16="http://schemas.microsoft.com/office/drawing/2014/main" id="{241F9043-7FCC-4770-956E-47D15EFCD62C}"/>
+              </a:ext>
+            </a:extLst>
+          </p:cNvPr>
+          <p:cNvPicPr>
+            <a:picLocks noChangeAspect="1"/>
+          </p:cNvPicPr>
+          <p:nvPr/>
+        </p:nvPicPr>
+        <p:blipFill rotWithShape="1">
+          <a:blip r:embed="rId3"/>
+          <a:srcRect l="1369"/>
+          <a:stretch/>
+        </p:blipFill>
+        <p:spPr>
+          <a:xfrm>
+            <a:off x="2595799" y="2576559"/>
+            <a:ext cx="6953063" cy="968720"/>
+          </a:xfrm>
+          <a:prstGeom prst="rect">
+            <a:avLst/>
+          </a:prstGeom>
+          <a:ln>
+            <a:solidFill>
+              <a:schemeClr val="tx1"/>
+            </a:solidFill>
+          </a:ln>
+        </p:spPr>
+      </p:pic>
+      <p:pic>
+        <p:nvPicPr>
+          <p:cNvPr id="9" name="圖片 8">
+            <a:extLst>
+              <a:ext uri="{FF2B5EF4-FFF2-40B4-BE49-F238E27FC236}">
+                <a16:creationId xmlns:a16="http://schemas.microsoft.com/office/drawing/2014/main" id="{9B099E11-0B18-4591-8A87-D1FE1481A137}"/>
+              </a:ext>
+            </a:extLst>
+          </p:cNvPr>
+          <p:cNvPicPr>
+            <a:picLocks noChangeAspect="1"/>
+          </p:cNvPicPr>
+          <p:nvPr/>
+        </p:nvPicPr>
+        <p:blipFill>
+          <a:blip r:embed="rId4"/>
+          <a:stretch>
+            <a:fillRect/>
+          </a:stretch>
+        </p:blipFill>
+        <p:spPr>
+          <a:xfrm>
+            <a:off x="2060936" y="4457983"/>
+            <a:ext cx="8848725" cy="1155166"/>
+          </a:xfrm>
+          <a:prstGeom prst="rect">
+            <a:avLst/>
+          </a:prstGeom>
+          <a:ln>
+            <a:solidFill>
+              <a:schemeClr val="tx1"/>
+            </a:solidFill>
+          </a:ln>
+        </p:spPr>
+      </p:pic>
+      <p:cxnSp>
+        <p:nvCxnSpPr>
+          <p:cNvPr id="10" name="直線單箭頭接點 9">
+            <a:extLst>
+              <a:ext uri="{FF2B5EF4-FFF2-40B4-BE49-F238E27FC236}">
+                <a16:creationId xmlns:a16="http://schemas.microsoft.com/office/drawing/2014/main" id="{00541A3B-01F1-4508-9FFE-03D08924A5EF}"/>
+              </a:ext>
+            </a:extLst>
+          </p:cNvPr>
+          <p:cNvCxnSpPr>
+            <a:cxnSpLocks/>
+          </p:cNvCxnSpPr>
+          <p:nvPr/>
+        </p:nvCxnSpPr>
+        <p:spPr>
+          <a:xfrm flipH="1">
+            <a:off x="5413972" y="1200572"/>
+            <a:ext cx="117695" cy="1189543"/>
+          </a:xfrm>
+          <a:prstGeom prst="straightConnector1">
+            <a:avLst/>
+          </a:prstGeom>
+          <a:ln w="25400">
+            <a:solidFill>
+              <a:srgbClr val="FF0000"/>
+            </a:solidFill>
+            <a:tailEnd type="triangle"/>
+          </a:ln>
+        </p:spPr>
+        <p:style>
+          <a:lnRef idx="1">
+            <a:schemeClr val="accent1"/>
+          </a:lnRef>
+          <a:fillRef idx="0">
+            <a:schemeClr val="accent1"/>
+          </a:fillRef>
+          <a:effectRef idx="0">
+            <a:schemeClr val="accent1"/>
+          </a:effectRef>
+          <a:fontRef idx="minor">
+            <a:schemeClr val="tx1"/>
+          </a:fontRef>
+        </p:style>
+      </p:cxnSp>
+      <p:cxnSp>
+        <p:nvCxnSpPr>
+          <p:cNvPr id="11" name="直線單箭頭接點 10">
+            <a:extLst>
+              <a:ext uri="{FF2B5EF4-FFF2-40B4-BE49-F238E27FC236}">
+                <a16:creationId xmlns:a16="http://schemas.microsoft.com/office/drawing/2014/main" id="{C1BD4E50-4EA1-4ED3-BC7B-CEFD959A3061}"/>
+              </a:ext>
+            </a:extLst>
+          </p:cNvPr>
+          <p:cNvCxnSpPr>
+            <a:cxnSpLocks/>
+          </p:cNvCxnSpPr>
+          <p:nvPr/>
+        </p:nvCxnSpPr>
+        <p:spPr>
+          <a:xfrm flipH="1">
+            <a:off x="5152695" y="3396898"/>
+            <a:ext cx="1083869" cy="1061085"/>
+          </a:xfrm>
+          <a:prstGeom prst="straightConnector1">
+            <a:avLst/>
+          </a:prstGeom>
+          <a:ln w="25400">
+            <a:solidFill>
+              <a:srgbClr val="FF0000"/>
+            </a:solidFill>
+            <a:tailEnd type="triangle"/>
+          </a:ln>
+        </p:spPr>
+        <p:style>
+          <a:lnRef idx="1">
+            <a:schemeClr val="accent1"/>
+          </a:lnRef>
+          <a:fillRef idx="0">
+            <a:schemeClr val="accent1"/>
+          </a:fillRef>
+          <a:effectRef idx="0">
+            <a:schemeClr val="accent1"/>
+          </a:effectRef>
+          <a:fontRef idx="minor">
+            <a:schemeClr val="tx1"/>
+          </a:fontRef>
+        </p:style>
+      </p:cxnSp>
+      <p:sp>
+        <p:nvSpPr>
+          <p:cNvPr id="16" name="文字方塊 15">
+            <a:extLst>
+              <a:ext uri="{FF2B5EF4-FFF2-40B4-BE49-F238E27FC236}">
+                <a16:creationId xmlns:a16="http://schemas.microsoft.com/office/drawing/2014/main" id="{49E74EEA-4574-44FE-B855-17D3A739B368}"/>
+              </a:ext>
+            </a:extLst>
+          </p:cNvPr>
+          <p:cNvSpPr txBox="1"/>
+          <p:nvPr/>
+        </p:nvSpPr>
+        <p:spPr>
+          <a:xfrm>
+            <a:off x="9572531" y="485289"/>
+            <a:ext cx="2169633" cy="369332"/>
+          </a:xfrm>
+          <a:prstGeom prst="rect">
+            <a:avLst/>
+          </a:prstGeom>
+          <a:noFill/>
+        </p:spPr>
+        <p:txBody>
+          <a:bodyPr wrap="none" rtlCol="0">
+            <a:spAutoFit/>
+          </a:bodyPr>
+          <a:lstStyle/>
+          <a:p>
+            <a:r>
+              <a:rPr lang="zh-TW" altLang="en-US" dirty="0">
+                <a:solidFill>
+                  <a:srgbClr val="FF0000"/>
+                </a:solidFill>
+              </a:rPr>
+              <a:t>出現</a:t>
+            </a:r>
+            <a:r>
+              <a:rPr lang="en-US" altLang="zh-TW" dirty="0">
+                <a:solidFill>
+                  <a:srgbClr val="FF0000"/>
+                </a:solidFill>
+              </a:rPr>
+              <a:t>modify</a:t>
+            </a:r>
+            <a:r>
+              <a:rPr lang="zh-TW" altLang="en-US" dirty="0">
+                <a:solidFill>
+                  <a:srgbClr val="FF0000"/>
+                </a:solidFill>
+              </a:rPr>
+              <a:t>的</a:t>
+            </a:r>
+            <a:r>
+              <a:rPr lang="en-US" altLang="zh-TW" dirty="0">
+                <a:solidFill>
+                  <a:srgbClr val="FF0000"/>
+                </a:solidFill>
+              </a:rPr>
+              <a:t>button</a:t>
+            </a:r>
+            <a:endParaRPr lang="zh-TW" altLang="en-US" dirty="0">
+              <a:solidFill>
+                <a:srgbClr val="FF0000"/>
+              </a:solidFill>
+            </a:endParaRPr>
+          </a:p>
+        </p:txBody>
+      </p:sp>
+      <p:sp>
+        <p:nvSpPr>
+          <p:cNvPr id="19" name="文字方塊 18">
+            <a:extLst>
+              <a:ext uri="{FF2B5EF4-FFF2-40B4-BE49-F238E27FC236}">
+                <a16:creationId xmlns:a16="http://schemas.microsoft.com/office/drawing/2014/main" id="{2730C529-8C8C-448C-8211-9412B618659C}"/>
+              </a:ext>
+            </a:extLst>
+          </p:cNvPr>
+          <p:cNvSpPr txBox="1"/>
+          <p:nvPr/>
+        </p:nvSpPr>
+        <p:spPr>
+          <a:xfrm>
+            <a:off x="5694629" y="1767207"/>
+            <a:ext cx="3345018" cy="369332"/>
+          </a:xfrm>
+          <a:prstGeom prst="rect">
+            <a:avLst/>
+          </a:prstGeom>
+          <a:noFill/>
+        </p:spPr>
+        <p:txBody>
+          <a:bodyPr wrap="none" rtlCol="0">
+            <a:spAutoFit/>
+          </a:bodyPr>
+          <a:lstStyle/>
+          <a:p>
+            <a:r>
+              <a:rPr lang="zh-TW" altLang="en-US" dirty="0">
+                <a:solidFill>
+                  <a:srgbClr val="FF0000"/>
+                </a:solidFill>
+              </a:rPr>
+              <a:t>將</a:t>
+            </a:r>
+            <a:r>
+              <a:rPr lang="en-US" altLang="zh-TW" dirty="0">
+                <a:solidFill>
+                  <a:srgbClr val="FF0000"/>
+                </a:solidFill>
+              </a:rPr>
+              <a:t>grade</a:t>
+            </a:r>
+            <a:r>
+              <a:rPr lang="zh-TW" altLang="en-US" dirty="0">
+                <a:solidFill>
+                  <a:srgbClr val="FF0000"/>
+                </a:solidFill>
+              </a:rPr>
+              <a:t>改成</a:t>
+            </a:r>
+            <a:r>
+              <a:rPr lang="en-US" altLang="zh-TW" dirty="0">
+                <a:solidFill>
+                  <a:srgbClr val="FF0000"/>
+                </a:solidFill>
+              </a:rPr>
+              <a:t>5 &amp; comments </a:t>
+            </a:r>
+            <a:r>
+              <a:rPr lang="zh-TW" altLang="en-US" dirty="0">
+                <a:solidFill>
+                  <a:srgbClr val="FF0000"/>
+                </a:solidFill>
+              </a:rPr>
+              <a:t>刪除 </a:t>
+            </a:r>
+          </a:p>
+        </p:txBody>
+      </p:sp>
+      <p:sp>
+        <p:nvSpPr>
+          <p:cNvPr id="20" name="文字方塊 19">
+            <a:extLst>
+              <a:ext uri="{FF2B5EF4-FFF2-40B4-BE49-F238E27FC236}">
+                <a16:creationId xmlns:a16="http://schemas.microsoft.com/office/drawing/2014/main" id="{928DB2D8-773B-4450-8379-A9B958264C9C}"/>
+              </a:ext>
+            </a:extLst>
+          </p:cNvPr>
+          <p:cNvSpPr txBox="1"/>
+          <p:nvPr/>
+        </p:nvSpPr>
+        <p:spPr>
+          <a:xfrm>
+            <a:off x="6072330" y="3816965"/>
+            <a:ext cx="1991699" cy="369332"/>
+          </a:xfrm>
+          <a:prstGeom prst="rect">
+            <a:avLst/>
+          </a:prstGeom>
+          <a:noFill/>
+        </p:spPr>
+        <p:txBody>
+          <a:bodyPr wrap="none" rtlCol="0">
+            <a:spAutoFit/>
+          </a:bodyPr>
+          <a:lstStyle/>
+          <a:p>
+            <a:r>
+              <a:rPr lang="zh-TW" altLang="en-US" dirty="0">
+                <a:solidFill>
+                  <a:srgbClr val="FF0000"/>
+                </a:solidFill>
+              </a:rPr>
+              <a:t>按下</a:t>
+            </a:r>
+            <a:r>
+              <a:rPr lang="en-US" altLang="zh-TW" dirty="0">
+                <a:solidFill>
+                  <a:srgbClr val="FF0000"/>
+                </a:solidFill>
+              </a:rPr>
+              <a:t>modify button</a:t>
+            </a:r>
+            <a:endParaRPr lang="zh-TW" altLang="en-US" dirty="0">
+              <a:solidFill>
+                <a:srgbClr val="FF0000"/>
+              </a:solidFill>
+            </a:endParaRPr>
+          </a:p>
+        </p:txBody>
+      </p:sp>
+      <p:sp>
+        <p:nvSpPr>
+          <p:cNvPr id="21" name="文字方塊 20">
+            <a:extLst>
+              <a:ext uri="{FF2B5EF4-FFF2-40B4-BE49-F238E27FC236}">
+                <a16:creationId xmlns:a16="http://schemas.microsoft.com/office/drawing/2014/main" id="{0FBC793B-21DD-448E-BA13-4EEDF24D4F05}"/>
+              </a:ext>
+            </a:extLst>
+          </p:cNvPr>
+          <p:cNvSpPr txBox="1"/>
+          <p:nvPr/>
+        </p:nvSpPr>
+        <p:spPr>
+          <a:xfrm>
+            <a:off x="243462" y="2616636"/>
+            <a:ext cx="2147779" cy="923330"/>
+          </a:xfrm>
+          <a:prstGeom prst="rect">
+            <a:avLst/>
+          </a:prstGeom>
+          <a:noFill/>
+          <a:ln>
+            <a:solidFill>
+              <a:srgbClr val="FF0000"/>
+            </a:solidFill>
+          </a:ln>
+        </p:spPr>
+        <p:txBody>
+          <a:bodyPr wrap="square" rtlCol="0">
+            <a:spAutoFit/>
+          </a:bodyPr>
+          <a:lstStyle/>
+          <a:p>
+            <a:r>
+              <a:rPr lang="zh-TW" altLang="en-US" dirty="0">
+                <a:solidFill>
+                  <a:srgbClr val="FF0000"/>
+                </a:solidFill>
+              </a:rPr>
+              <a:t>更改輸入框後，需傳回後端，才會被紀錄和更改</a:t>
+            </a:r>
+          </a:p>
+        </p:txBody>
+      </p:sp>
+    </p:spTree>
+    <p:extLst>
+      <p:ext uri="{BB962C8B-B14F-4D97-AF65-F5344CB8AC3E}">
+        <p14:creationId xmlns:p14="http://schemas.microsoft.com/office/powerpoint/2010/main" val="4156934715"/>
+      </p:ext>
+    </p:extLst>
+  </p:cSld>
+  <p:clrMapOvr>
+    <a:masterClrMapping/>
+  </p:clrMapOvr>
+</p:sld>
+</file>
+
+<file path=ppt/slides/slide16.xml><?xml version="1.0" encoding="utf-8"?>
+<p:sld xmlns:a="http://schemas.openxmlformats.org/drawingml/2006/main" xmlns:r="http://schemas.openxmlformats.org/officeDocument/2006/relationships" xmlns:p="http://schemas.openxmlformats.org/presentationml/2006/main">
+  <p:cSld>
+    <p:spTree>
+      <p:nvGrpSpPr>
+        <p:cNvPr id="1" name=""/>
+        <p:cNvGrpSpPr/>
+        <p:nvPr/>
+      </p:nvGrpSpPr>
+      <p:grpSpPr>
+        <a:xfrm>
+          <a:off x="0" y="0"/>
+          <a:ext cx="0" cy="0"/>
+          <a:chOff x="0" y="0"/>
+          <a:chExt cx="0" cy="0"/>
+        </a:xfrm>
+      </p:grpSpPr>
+      <p:sp>
+        <p:nvSpPr>
+          <p:cNvPr id="2" name="標題 1">
+            <a:extLst>
+              <a:ext uri="{FF2B5EF4-FFF2-40B4-BE49-F238E27FC236}">
+                <a16:creationId xmlns:a16="http://schemas.microsoft.com/office/drawing/2014/main" id="{5E18D6D2-45D7-4F5D-AFB4-F5D8E2665D76}"/>
+              </a:ext>
+            </a:extLst>
+          </p:cNvPr>
+          <p:cNvSpPr>
+            <a:spLocks noGrp="1"/>
+          </p:cNvSpPr>
+          <p:nvPr>
+            <p:ph type="title"/>
+          </p:nvPr>
+        </p:nvSpPr>
+        <p:spPr>
+          <a:xfrm>
+            <a:off x="671945" y="1041108"/>
+            <a:ext cx="10515600" cy="1325563"/>
+          </a:xfrm>
+        </p:spPr>
+        <p:txBody>
+          <a:bodyPr/>
+          <a:lstStyle/>
+          <a:p>
+            <a:pPr algn="ctr"/>
+            <a:r>
+              <a:rPr lang="en-US" altLang="zh-TW" dirty="0"/>
+              <a:t>Completed Mission 10</a:t>
+            </a:r>
+            <a:br>
+              <a:rPr lang="zh-TW" altLang="en-US" dirty="0"/>
+            </a:br>
+            <a:endParaRPr lang="zh-TW" altLang="en-US" dirty="0"/>
+          </a:p>
+        </p:txBody>
+      </p:sp>
+      <p:pic>
+        <p:nvPicPr>
+          <p:cNvPr id="4" name="圖片 3">
+            <a:extLst>
+              <a:ext uri="{FF2B5EF4-FFF2-40B4-BE49-F238E27FC236}">
+                <a16:creationId xmlns:a16="http://schemas.microsoft.com/office/drawing/2014/main" id="{8D5FCB83-3ADE-47D9-BEFF-EB5114B84D73}"/>
+              </a:ext>
+            </a:extLst>
+          </p:cNvPr>
+          <p:cNvPicPr>
+            <a:picLocks noChangeAspect="1"/>
+          </p:cNvPicPr>
+          <p:nvPr/>
+        </p:nvPicPr>
+        <p:blipFill rotWithShape="1">
+          <a:blip r:embed="rId2"/>
+          <a:srcRect l="828" t="7854" r="1576" b="6276"/>
+          <a:stretch/>
+        </p:blipFill>
+        <p:spPr>
+          <a:xfrm>
+            <a:off x="2092036" y="2801076"/>
+            <a:ext cx="8007927" cy="1893454"/>
+          </a:xfrm>
+          <a:prstGeom prst="rect">
+            <a:avLst/>
+          </a:prstGeom>
+        </p:spPr>
+      </p:pic>
+    </p:spTree>
+    <p:extLst>
+      <p:ext uri="{BB962C8B-B14F-4D97-AF65-F5344CB8AC3E}">
+        <p14:creationId xmlns:p14="http://schemas.microsoft.com/office/powerpoint/2010/main" val="1047049031"/>
+      </p:ext>
+    </p:extLst>
+  </p:cSld>
+  <p:clrMapOvr>
+    <a:masterClrMapping/>
+  </p:clrMapOvr>
+</p:sld>
+</file>
+
+<file path=ppt/slides/slide17.xml><?xml version="1.0" encoding="utf-8"?>
+<p:sld xmlns:a="http://schemas.openxmlformats.org/drawingml/2006/main" xmlns:r="http://schemas.openxmlformats.org/officeDocument/2006/relationships" xmlns:p="http://schemas.openxmlformats.org/presentationml/2006/main">
+  <p:cSld>
+    <p:spTree>
+      <p:nvGrpSpPr>
+        <p:cNvPr id="1" name=""/>
+        <p:cNvGrpSpPr/>
+        <p:nvPr/>
+      </p:nvGrpSpPr>
+      <p:grpSpPr>
+        <a:xfrm>
+          <a:off x="0" y="0"/>
+          <a:ext cx="0" cy="0"/>
+          <a:chOff x="0" y="0"/>
+          <a:chExt cx="0" cy="0"/>
+        </a:xfrm>
+      </p:grpSpPr>
       <p:sp>
         <p:nvSpPr>
           <p:cNvPr id="2" name="標題 1">
@@ -4866,12 +5691,6 @@
             <a:endParaRPr lang="en-US" altLang="zh-TW" dirty="0"/>
           </a:p>
           <a:p>
-            <a:pPr marL="0" indent="0">
-              <a:buNone/>
-            </a:pPr>
-            <a:endParaRPr lang="en-US" altLang="zh-TW" dirty="0"/>
-          </a:p>
-          <a:p>
             <a:r>
               <a:rPr lang="zh-TW" altLang="en-US" dirty="0"/>
               <a:t>解題教學</a:t>
@@ -4893,6 +5712,45 @@
             <a:endParaRPr lang="en-US" altLang="zh-TW" dirty="0"/>
           </a:p>
           <a:p>
+            <a:r>
+              <a:rPr lang="zh-TW" altLang="en-US" dirty="0"/>
+              <a:t>表單按鈕</a:t>
+            </a:r>
+            <a:r>
+              <a:rPr lang="en-US" altLang="zh-TW" dirty="0"/>
+              <a:t>:</a:t>
+            </a:r>
+          </a:p>
+          <a:p>
+            <a:pPr marL="0" indent="0">
+              <a:buNone/>
+            </a:pPr>
+            <a:r>
+              <a:rPr lang="zh-TW" altLang="en-US" dirty="0"/>
+              <a:t>   </a:t>
+            </a:r>
+            <a:r>
+              <a:rPr lang="en-US" altLang="zh-TW" dirty="0">
+                <a:hlinkClick r:id="rId4"/>
+              </a:rPr>
+              <a:t>https://www.webtech.tw/info.php?tid=98</a:t>
+            </a:r>
+            <a:endParaRPr lang="en-US" altLang="zh-TW" dirty="0"/>
+          </a:p>
+          <a:p>
+            <a:pPr marL="0" indent="0">
+              <a:buNone/>
+            </a:pPr>
+            <a:r>
+              <a:rPr lang="zh-TW" altLang="en-US" dirty="0"/>
+              <a:t>   </a:t>
+            </a:r>
+            <a:r>
+              <a:rPr lang="en-US" altLang="zh-TW" dirty="0">
+                <a:hlinkClick r:id="rId5"/>
+              </a:rPr>
+              <a:t>https://ithelp.ithome.com.tw/articles/10192095</a:t>
+            </a:r>
             <a:endParaRPr lang="zh-TW" altLang="en-US" dirty="0"/>
           </a:p>
         </p:txBody>
@@ -5074,56 +5932,6 @@
           <a:chExt cx="0" cy="0"/>
         </a:xfrm>
       </p:grpSpPr>
-      <p:sp>
-        <p:nvSpPr>
-          <p:cNvPr id="2" name="標題 1">
-            <a:extLst>
-              <a:ext uri="{FF2B5EF4-FFF2-40B4-BE49-F238E27FC236}">
-                <a16:creationId xmlns:a16="http://schemas.microsoft.com/office/drawing/2014/main" id="{C5EACC9A-FDD6-4F06-B875-104D18737E50}"/>
-              </a:ext>
-            </a:extLst>
-          </p:cNvPr>
-          <p:cNvSpPr>
-            <a:spLocks noGrp="1"/>
-          </p:cNvSpPr>
-          <p:nvPr>
-            <p:ph type="title"/>
-          </p:nvPr>
-        </p:nvSpPr>
-        <p:spPr/>
-        <p:txBody>
-          <a:bodyPr/>
-          <a:lstStyle/>
-          <a:p>
-            <a:endParaRPr lang="zh-TW" altLang="en-US" dirty="0"/>
-          </a:p>
-        </p:txBody>
-      </p:sp>
-      <p:sp>
-        <p:nvSpPr>
-          <p:cNvPr id="3" name="內容版面配置區 2">
-            <a:extLst>
-              <a:ext uri="{FF2B5EF4-FFF2-40B4-BE49-F238E27FC236}">
-                <a16:creationId xmlns:a16="http://schemas.microsoft.com/office/drawing/2014/main" id="{C99FB446-8632-4CFF-AA70-97FE27408D9B}"/>
-              </a:ext>
-            </a:extLst>
-          </p:cNvPr>
-          <p:cNvSpPr>
-            <a:spLocks noGrp="1"/>
-          </p:cNvSpPr>
-          <p:nvPr>
-            <p:ph idx="1"/>
-          </p:nvPr>
-        </p:nvSpPr>
-        <p:spPr/>
-        <p:txBody>
-          <a:bodyPr/>
-          <a:lstStyle/>
-          <a:p>
-            <a:endParaRPr lang="zh-TW" altLang="en-US" dirty="0"/>
-          </a:p>
-        </p:txBody>
-      </p:sp>
       <p:pic>
         <p:nvPicPr>
           <p:cNvPr id="4" name="圖片 3">
@@ -5224,31 +6032,6 @@
           </a:p>
         </p:txBody>
       </p:sp>
-      <p:sp>
-        <p:nvSpPr>
-          <p:cNvPr id="3" name="內容版面配置區 2">
-            <a:extLst>
-              <a:ext uri="{FF2B5EF4-FFF2-40B4-BE49-F238E27FC236}">
-                <a16:creationId xmlns:a16="http://schemas.microsoft.com/office/drawing/2014/main" id="{E47A5728-3A88-40F0-83F2-56BD259AC79C}"/>
-              </a:ext>
-            </a:extLst>
-          </p:cNvPr>
-          <p:cNvSpPr>
-            <a:spLocks noGrp="1"/>
-          </p:cNvSpPr>
-          <p:nvPr>
-            <p:ph idx="1"/>
-          </p:nvPr>
-        </p:nvSpPr>
-        <p:spPr/>
-        <p:txBody>
-          <a:bodyPr/>
-          <a:lstStyle/>
-          <a:p>
-            <a:endParaRPr lang="zh-TW" altLang="en-US" dirty="0"/>
-          </a:p>
-        </p:txBody>
-      </p:sp>
       <p:pic>
         <p:nvPicPr>
           <p:cNvPr id="4" name="圖片 3">
@@ -5348,31 +6131,6 @@
           <a:chExt cx="0" cy="0"/>
         </a:xfrm>
       </p:grpSpPr>
-      <p:sp>
-        <p:nvSpPr>
-          <p:cNvPr id="2" name="標題 1">
-            <a:extLst>
-              <a:ext uri="{FF2B5EF4-FFF2-40B4-BE49-F238E27FC236}">
-                <a16:creationId xmlns:a16="http://schemas.microsoft.com/office/drawing/2014/main" id="{DA721773-AA27-4677-BE6B-A9D3257FBFF1}"/>
-              </a:ext>
-            </a:extLst>
-          </p:cNvPr>
-          <p:cNvSpPr>
-            <a:spLocks noGrp="1"/>
-          </p:cNvSpPr>
-          <p:nvPr>
-            <p:ph type="title"/>
-          </p:nvPr>
-        </p:nvSpPr>
-        <p:spPr/>
-        <p:txBody>
-          <a:bodyPr/>
-          <a:lstStyle/>
-          <a:p>
-            <a:endParaRPr lang="zh-TW" altLang="en-US"/>
-          </a:p>
-        </p:txBody>
-      </p:sp>
       <p:pic>
         <p:nvPicPr>
           <p:cNvPr id="5" name="內容版面配置區 4">
@@ -5751,31 +6509,6 @@
           </a:p>
         </p:txBody>
       </p:sp>
-      <p:sp>
-        <p:nvSpPr>
-          <p:cNvPr id="3" name="內容版面配置區 2">
-            <a:extLst>
-              <a:ext uri="{FF2B5EF4-FFF2-40B4-BE49-F238E27FC236}">
-                <a16:creationId xmlns:a16="http://schemas.microsoft.com/office/drawing/2014/main" id="{760EBA46-299C-45F3-A7F9-6ECAB40BA30C}"/>
-              </a:ext>
-            </a:extLst>
-          </p:cNvPr>
-          <p:cNvSpPr>
-            <a:spLocks noGrp="1"/>
-          </p:cNvSpPr>
-          <p:nvPr>
-            <p:ph idx="1"/>
-          </p:nvPr>
-        </p:nvSpPr>
-        <p:spPr/>
-        <p:txBody>
-          <a:bodyPr/>
-          <a:lstStyle/>
-          <a:p>
-            <a:endParaRPr lang="zh-TW" altLang="en-US" dirty="0"/>
-          </a:p>
-        </p:txBody>
-      </p:sp>
       <p:pic>
         <p:nvPicPr>
           <p:cNvPr id="4" name="圖片 3">
@@ -6042,31 +6775,6 @@
           <a:chExt cx="0" cy="0"/>
         </a:xfrm>
       </p:grpSpPr>
-      <p:sp>
-        <p:nvSpPr>
-          <p:cNvPr id="2" name="標題 1">
-            <a:extLst>
-              <a:ext uri="{FF2B5EF4-FFF2-40B4-BE49-F238E27FC236}">
-                <a16:creationId xmlns:a16="http://schemas.microsoft.com/office/drawing/2014/main" id="{6855810A-C04B-4693-B50E-5474DBB3BAAB}"/>
-              </a:ext>
-            </a:extLst>
-          </p:cNvPr>
-          <p:cNvSpPr>
-            <a:spLocks noGrp="1"/>
-          </p:cNvSpPr>
-          <p:nvPr>
-            <p:ph type="title"/>
-          </p:nvPr>
-        </p:nvSpPr>
-        <p:spPr/>
-        <p:txBody>
-          <a:bodyPr/>
-          <a:lstStyle/>
-          <a:p>
-            <a:endParaRPr lang="zh-TW" altLang="en-US" dirty="0"/>
-          </a:p>
-        </p:txBody>
-      </p:sp>
       <p:sp>
         <p:nvSpPr>
           <p:cNvPr id="3" name="內容版面配置區 2">
@@ -6247,56 +6955,6 @@
           <a:chExt cx="0" cy="0"/>
         </a:xfrm>
       </p:grpSpPr>
-      <p:sp>
-        <p:nvSpPr>
-          <p:cNvPr id="2" name="標題 1">
-            <a:extLst>
-              <a:ext uri="{FF2B5EF4-FFF2-40B4-BE49-F238E27FC236}">
-                <a16:creationId xmlns:a16="http://schemas.microsoft.com/office/drawing/2014/main" id="{2EC18404-60F4-462F-B369-D95D73610C3C}"/>
-              </a:ext>
-            </a:extLst>
-          </p:cNvPr>
-          <p:cNvSpPr>
-            <a:spLocks noGrp="1"/>
-          </p:cNvSpPr>
-          <p:nvPr>
-            <p:ph type="title"/>
-          </p:nvPr>
-        </p:nvSpPr>
-        <p:spPr/>
-        <p:txBody>
-          <a:bodyPr/>
-          <a:lstStyle/>
-          <a:p>
-            <a:endParaRPr lang="zh-TW" altLang="en-US"/>
-          </a:p>
-        </p:txBody>
-      </p:sp>
-      <p:sp>
-        <p:nvSpPr>
-          <p:cNvPr id="3" name="內容版面配置區 2">
-            <a:extLst>
-              <a:ext uri="{FF2B5EF4-FFF2-40B4-BE49-F238E27FC236}">
-                <a16:creationId xmlns:a16="http://schemas.microsoft.com/office/drawing/2014/main" id="{3966CD7C-43B4-443C-A079-B2F524514590}"/>
-              </a:ext>
-            </a:extLst>
-          </p:cNvPr>
-          <p:cNvSpPr>
-            <a:spLocks noGrp="1"/>
-          </p:cNvSpPr>
-          <p:nvPr>
-            <p:ph idx="1"/>
-          </p:nvPr>
-        </p:nvSpPr>
-        <p:spPr/>
-        <p:txBody>
-          <a:bodyPr/>
-          <a:lstStyle/>
-          <a:p>
-            <a:endParaRPr lang="zh-TW" altLang="en-US" dirty="0"/>
-          </a:p>
-        </p:txBody>
-      </p:sp>
       <p:pic>
         <p:nvPicPr>
           <p:cNvPr id="6" name="圖片 5">
